--- a/rag_playground.pptx
+++ b/rag_playground.pptx
@@ -119,6 +119,14 @@
       </a:defRPr>
     </a:lvl9pPr>
   </p:defaultTextStyle>
+  <p:extLst>
+    <p:ext uri="{EFAFB233-063F-42B5-8137-9DF3F51BA10A}">
+      <p15:sldGuideLst xmlns:p15="http://schemas.microsoft.com/office/powerpoint/2012/main"/>
+    </p:ext>
+    <p:ext uri="{2D200454-40CA-4A62-9FC3-DE9A4176ACB9}">
+      <p15:notesGuideLst xmlns:p15="http://schemas.microsoft.com/office/powerpoint/2012/main"/>
+    </p:ext>
+  </p:extLst>
 </p:presentation>
 </file>
 
@@ -204,7 +212,7 @@
           <a:p>
             <a:fld id="{FDAF2CD5-C81C-F94B-98F9-5F5F72AF964F}" type="datetimeFigureOut">
               <a:rPr kumimoji="1" lang="ko-KR" altLang="en-US" smtClean="0"/>
-              <a:t>2024. 6. 18.</a:t>
+              <a:t>2024. 6. 24.</a:t>
             </a:fld>
             <a:endParaRPr kumimoji="1" lang="ko-KR" altLang="en-US"/>
           </a:p>
@@ -618,7 +626,7 @@
           <a:p>
             <a:fld id="{A808637C-966E-A14C-82D0-6172230E0FD7}" type="datetimeFigureOut">
               <a:rPr kumimoji="1" lang="ko-KR" altLang="en-US" smtClean="0"/>
-              <a:t>2024. 6. 18.</a:t>
+              <a:t>2024. 6. 24.</a:t>
             </a:fld>
             <a:endParaRPr kumimoji="1" lang="ko-KR" altLang="en-US"/>
           </a:p>
@@ -731,7 +739,7 @@
           <a:p>
             <a:fld id="{A808637C-966E-A14C-82D0-6172230E0FD7}" type="datetimeFigureOut">
               <a:rPr kumimoji="1" lang="ko-KR" altLang="en-US" smtClean="0"/>
-              <a:t>2024. 6. 18.</a:t>
+              <a:t>2024. 6. 24.</a:t>
             </a:fld>
             <a:endParaRPr kumimoji="1" lang="ko-KR" altLang="en-US"/>
           </a:p>
@@ -1009,7 +1017,7 @@
           <a:p>
             <a:fld id="{A808637C-966E-A14C-82D0-6172230E0FD7}" type="datetimeFigureOut">
               <a:rPr kumimoji="1" lang="ko-KR" altLang="en-US" smtClean="0"/>
-              <a:t>2024. 6. 18.</a:t>
+              <a:t>2024. 6. 24.</a:t>
             </a:fld>
             <a:endParaRPr kumimoji="1" lang="ko-KR" altLang="en-US"/>
           </a:p>
@@ -1417,6 +1425,42 @@
           <a:chExt cx="0" cy="0"/>
         </a:xfrm>
       </p:grpSpPr>
+      <p:sp>
+        <p:nvSpPr>
+          <p:cNvPr id="2" name="TextBox 1">
+            <a:extLst>
+              <a:ext uri="{FF2B5EF4-FFF2-40B4-BE49-F238E27FC236}">
+                <a16:creationId xmlns:a16="http://schemas.microsoft.com/office/drawing/2014/main" id="{3725DE1F-52E6-3C6C-8304-7277FF23A23C}"/>
+              </a:ext>
+            </a:extLst>
+          </p:cNvPr>
+          <p:cNvSpPr txBox="1"/>
+          <p:nvPr/>
+        </p:nvSpPr>
+        <p:spPr>
+          <a:xfrm>
+            <a:off x="2193809" y="2767280"/>
+            <a:ext cx="7804381" cy="1323439"/>
+          </a:xfrm>
+          <a:prstGeom prst="rect">
+            <a:avLst/>
+          </a:prstGeom>
+          <a:noFill/>
+        </p:spPr>
+        <p:txBody>
+          <a:bodyPr wrap="none" rtlCol="0">
+            <a:spAutoFit/>
+          </a:bodyPr>
+          <a:lstStyle/>
+          <a:p>
+            <a:r>
+              <a:rPr kumimoji="1" lang="en-US" altLang="ko-KR" sz="8000" dirty="0"/>
+              <a:t>RAG Playground</a:t>
+            </a:r>
+            <a:endParaRPr kumimoji="1" lang="ko-KR" altLang="en-US" sz="8000" dirty="0"/>
+          </a:p>
+        </p:txBody>
+      </p:sp>
     </p:spTree>
     <p:extLst>
       <p:ext uri="{BB962C8B-B14F-4D97-AF65-F5344CB8AC3E}">
@@ -2569,7 +2613,7 @@
         </p:nvSpPr>
         <p:spPr>
           <a:xfrm>
-            <a:off x="191594" y="552908"/>
+            <a:off x="191594" y="756108"/>
             <a:ext cx="10909994" cy="276999"/>
           </a:xfrm>
           <a:prstGeom prst="rect">
@@ -2617,7 +2661,7 @@
         </p:nvSpPr>
         <p:spPr>
           <a:xfrm>
-            <a:off x="191594" y="848043"/>
+            <a:off x="191594" y="1051243"/>
             <a:ext cx="10909994" cy="276999"/>
           </a:xfrm>
           <a:prstGeom prst="rect">
@@ -2665,7 +2709,7 @@
         </p:nvSpPr>
         <p:spPr>
           <a:xfrm>
-            <a:off x="191594" y="1143178"/>
+            <a:off x="191594" y="1346378"/>
             <a:ext cx="10909994" cy="276999"/>
           </a:xfrm>
           <a:prstGeom prst="rect">
@@ -2713,7 +2757,7 @@
         </p:nvSpPr>
         <p:spPr>
           <a:xfrm>
-            <a:off x="191594" y="1438313"/>
+            <a:off x="191594" y="1641513"/>
             <a:ext cx="11553938" cy="276999"/>
           </a:xfrm>
           <a:prstGeom prst="rect">
@@ -2761,7 +2805,7 @@
         </p:nvSpPr>
         <p:spPr>
           <a:xfrm>
-            <a:off x="191594" y="1733448"/>
+            <a:off x="191594" y="1936648"/>
             <a:ext cx="11553938" cy="276999"/>
           </a:xfrm>
           <a:prstGeom prst="rect">
@@ -2809,7 +2853,7 @@
         </p:nvSpPr>
         <p:spPr>
           <a:xfrm>
-            <a:off x="191594" y="2034665"/>
+            <a:off x="191594" y="2237865"/>
             <a:ext cx="11553938" cy="276999"/>
           </a:xfrm>
           <a:prstGeom prst="rect">
@@ -2857,7 +2901,7 @@
         </p:nvSpPr>
         <p:spPr>
           <a:xfrm>
-            <a:off x="191594" y="2335882"/>
+            <a:off x="191594" y="2539082"/>
             <a:ext cx="11553938" cy="461665"/>
           </a:xfrm>
           <a:prstGeom prst="rect">
@@ -2905,7 +2949,7 @@
         </p:nvSpPr>
         <p:spPr>
           <a:xfrm>
-            <a:off x="191594" y="2815683"/>
+            <a:off x="182358" y="3037355"/>
             <a:ext cx="11553938" cy="276999"/>
           </a:xfrm>
           <a:prstGeom prst="rect">
@@ -2953,7 +2997,7 @@
         </p:nvSpPr>
         <p:spPr>
           <a:xfrm>
-            <a:off x="191594" y="3116974"/>
+            <a:off x="191594" y="3338646"/>
             <a:ext cx="11553938" cy="276999"/>
           </a:xfrm>
           <a:prstGeom prst="rect">
@@ -3001,7 +3045,7 @@
         </p:nvSpPr>
         <p:spPr>
           <a:xfrm>
-            <a:off x="191594" y="3420792"/>
+            <a:off x="191594" y="3642464"/>
             <a:ext cx="11553938" cy="461665"/>
           </a:xfrm>
           <a:prstGeom prst="rect">
@@ -3049,7 +3093,7 @@
         </p:nvSpPr>
         <p:spPr>
           <a:xfrm>
-            <a:off x="191594" y="3900593"/>
+            <a:off x="191594" y="4122265"/>
             <a:ext cx="11553938" cy="461665"/>
           </a:xfrm>
           <a:prstGeom prst="rect">
@@ -3097,7 +3141,7 @@
         </p:nvSpPr>
         <p:spPr>
           <a:xfrm>
-            <a:off x="191594" y="4391793"/>
+            <a:off x="191594" y="4613465"/>
             <a:ext cx="11553938" cy="276999"/>
           </a:xfrm>
           <a:prstGeom prst="rect">
@@ -3145,7 +3189,7 @@
         </p:nvSpPr>
         <p:spPr>
           <a:xfrm>
-            <a:off x="185166" y="4703527"/>
+            <a:off x="185166" y="4925199"/>
             <a:ext cx="11553938" cy="276999"/>
           </a:xfrm>
           <a:prstGeom prst="rect">
@@ -3193,7 +3237,7 @@
         </p:nvSpPr>
         <p:spPr>
           <a:xfrm>
-            <a:off x="191594" y="5009425"/>
+            <a:off x="191594" y="5231097"/>
             <a:ext cx="11553938" cy="276999"/>
           </a:xfrm>
           <a:prstGeom prst="rect">
@@ -3439,7 +3483,7 @@
         </p:nvSpPr>
         <p:spPr>
           <a:xfrm>
-            <a:off x="191594" y="1067499"/>
+            <a:off x="191594" y="1049027"/>
             <a:ext cx="10909994" cy="553998"/>
           </a:xfrm>
           <a:prstGeom prst="rect">
@@ -3510,7 +3554,7 @@
         </p:nvSpPr>
         <p:spPr>
           <a:xfrm>
-            <a:off x="191594" y="1778133"/>
+            <a:off x="191594" y="1759661"/>
             <a:ext cx="10909994" cy="923330"/>
           </a:xfrm>
           <a:prstGeom prst="rect">
@@ -3599,7 +3643,7 @@
         </p:nvSpPr>
         <p:spPr>
           <a:xfrm>
-            <a:off x="191594" y="2858099"/>
+            <a:off x="191594" y="2839627"/>
             <a:ext cx="10909994" cy="738664"/>
           </a:xfrm>
           <a:prstGeom prst="rect">
@@ -3688,7 +3732,7 @@
         </p:nvSpPr>
         <p:spPr>
           <a:xfrm>
-            <a:off x="191594" y="3866377"/>
+            <a:off x="191594" y="3847905"/>
             <a:ext cx="10909994" cy="738664"/>
           </a:xfrm>
           <a:prstGeom prst="rect">
@@ -3823,6 +3867,36 @@
           <a:chExt cx="0" cy="0"/>
         </a:xfrm>
       </p:grpSpPr>
+      <p:pic>
+        <p:nvPicPr>
+          <p:cNvPr id="7" name="그림 6">
+            <a:extLst>
+              <a:ext uri="{FF2B5EF4-FFF2-40B4-BE49-F238E27FC236}">
+                <a16:creationId xmlns:a16="http://schemas.microsoft.com/office/drawing/2014/main" id="{78284079-E94C-3311-124F-DACED895AC8C}"/>
+              </a:ext>
+            </a:extLst>
+          </p:cNvPr>
+          <p:cNvPicPr>
+            <a:picLocks noChangeAspect="1"/>
+          </p:cNvPicPr>
+          <p:nvPr/>
+        </p:nvPicPr>
+        <p:blipFill>
+          <a:blip r:embed="rId2"/>
+          <a:stretch>
+            <a:fillRect/>
+          </a:stretch>
+        </p:blipFill>
+        <p:spPr>
+          <a:xfrm>
+            <a:off x="1812636" y="636483"/>
+            <a:ext cx="7772400" cy="2906485"/>
+          </a:xfrm>
+          <a:prstGeom prst="rect">
+            <a:avLst/>
+          </a:prstGeom>
+        </p:spPr>
+      </p:pic>
       <p:sp>
         <p:nvSpPr>
           <p:cNvPr id="2" name="TextBox 1">
@@ -3892,6 +3966,173 @@
               <a:t>Multi-Query</a:t>
             </a:r>
             <a:endParaRPr kumimoji="1" lang="ko-KR" altLang="en-US" dirty="0"/>
+          </a:p>
+        </p:txBody>
+      </p:sp>
+      <p:sp>
+        <p:nvSpPr>
+          <p:cNvPr id="6" name="TextBox 5">
+            <a:extLst>
+              <a:ext uri="{FF2B5EF4-FFF2-40B4-BE49-F238E27FC236}">
+                <a16:creationId xmlns:a16="http://schemas.microsoft.com/office/drawing/2014/main" id="{64BC2CBB-4E52-13D8-A477-26A111A7A89C}"/>
+              </a:ext>
+            </a:extLst>
+          </p:cNvPr>
+          <p:cNvSpPr txBox="1"/>
+          <p:nvPr/>
+        </p:nvSpPr>
+        <p:spPr>
+          <a:xfrm>
+            <a:off x="345178" y="3823479"/>
+            <a:ext cx="11501643" cy="2492990"/>
+          </a:xfrm>
+          <a:prstGeom prst="rect">
+            <a:avLst/>
+          </a:prstGeom>
+          <a:noFill/>
+        </p:spPr>
+        <p:txBody>
+          <a:bodyPr wrap="square" rtlCol="0">
+            <a:spAutoFit/>
+          </a:bodyPr>
+          <a:lstStyle/>
+          <a:p>
+            <a:pPr algn="l"/>
+            <a:r>
+              <a:rPr lang="en" altLang="ko-KR" sz="1200" i="0" dirty="0">
+                <a:solidFill>
+                  <a:srgbClr val="00B050"/>
+                </a:solidFill>
+                <a:effectLst/>
+              </a:rPr>
+              <a:t>Why is this helpful?</a:t>
+            </a:r>
+          </a:p>
+          <a:p>
+            <a:pPr algn="l"/>
+            <a:r>
+              <a:rPr lang="en" altLang="ko-KR" sz="1200" b="0" i="0" dirty="0">
+                <a:solidFill>
+                  <a:srgbClr val="1C1E21"/>
+                </a:solidFill>
+                <a:effectLst/>
+              </a:rPr>
+              <a:t>Generally builders will use Multi-Query for two main reasons: Enhance a suboptimal query &amp; Expand a results set</a:t>
+            </a:r>
+          </a:p>
+          <a:p>
+            <a:pPr algn="l"/>
+            <a:endParaRPr lang="en" altLang="ko-KR" sz="1200" b="0" i="0" dirty="0">
+              <a:solidFill>
+                <a:srgbClr val="1C1E21"/>
+              </a:solidFill>
+              <a:effectLst/>
+            </a:endParaRPr>
+          </a:p>
+          <a:p>
+            <a:pPr algn="l"/>
+            <a:r>
+              <a:rPr lang="en" altLang="ko-KR" sz="1200" i="0" dirty="0">
+                <a:solidFill>
+                  <a:srgbClr val="00B050"/>
+                </a:solidFill>
+                <a:effectLst/>
+              </a:rPr>
+              <a:t>Enhance a suboptimal query</a:t>
+            </a:r>
+          </a:p>
+          <a:p>
+            <a:pPr algn="l"/>
+            <a:r>
+              <a:rPr lang="en" altLang="ko-KR" sz="1200" b="0" i="0" dirty="0">
+                <a:solidFill>
+                  <a:srgbClr val="1C1E21"/>
+                </a:solidFill>
+                <a:effectLst/>
+              </a:rPr>
+              <a:t>Users don't always give the best queries</a:t>
+            </a:r>
+            <a:r>
+              <a:rPr lang="ko-KR" altLang="en-US" sz="1200" b="0" i="0" dirty="0">
+                <a:solidFill>
+                  <a:srgbClr val="1C1E21"/>
+                </a:solidFill>
+                <a:effectLst/>
+              </a:rPr>
+              <a:t> </a:t>
+            </a:r>
+            <a:r>
+              <a:rPr lang="en" altLang="ko-KR" sz="1200" b="0" i="0" dirty="0">
+                <a:solidFill>
+                  <a:srgbClr val="1C1E21"/>
+                </a:solidFill>
+                <a:effectLst/>
+              </a:rPr>
+              <a:t>- They are just trying to user your product, not construct the perfect query.</a:t>
+            </a:r>
+          </a:p>
+          <a:p>
+            <a:pPr algn="l"/>
+            <a:r>
+              <a:rPr lang="en" altLang="ko-KR" sz="1200" b="0" i="0" dirty="0">
+                <a:solidFill>
+                  <a:srgbClr val="1C1E21"/>
+                </a:solidFill>
+                <a:effectLst/>
+              </a:rPr>
+              <a:t>To help with this, we turn to the multi-query method to help us fill in any gaps to a users query.</a:t>
+            </a:r>
+          </a:p>
+          <a:p>
+            <a:pPr algn="l"/>
+            <a:endParaRPr lang="en" altLang="ko-KR" sz="1200" b="1" i="0" dirty="0">
+              <a:solidFill>
+                <a:srgbClr val="1C1E21"/>
+              </a:solidFill>
+              <a:effectLst/>
+            </a:endParaRPr>
+          </a:p>
+          <a:p>
+            <a:pPr algn="l"/>
+            <a:r>
+              <a:rPr lang="en" altLang="ko-KR" sz="1200" i="0" dirty="0">
+                <a:solidFill>
+                  <a:srgbClr val="00B050"/>
+                </a:solidFill>
+                <a:effectLst/>
+              </a:rPr>
+              <a:t>Expand a results set</a:t>
+            </a:r>
+          </a:p>
+          <a:p>
+            <a:pPr algn="l"/>
+            <a:r>
+              <a:rPr lang="en" altLang="ko-KR" sz="1200" b="0" i="0" dirty="0">
+                <a:solidFill>
+                  <a:srgbClr val="1C1E21"/>
+                </a:solidFill>
+                <a:effectLst/>
+              </a:rPr>
+              <a:t>With multiple queries, you'll likely get more results back from your database. The aim of multi-query is to have an expanded results sets which might be able to answer questions better than docs from a single query.</a:t>
+            </a:r>
+          </a:p>
+          <a:p>
+            <a:pPr algn="l"/>
+            <a:r>
+              <a:rPr lang="en" altLang="ko-KR" sz="1200" b="0" i="0" dirty="0">
+                <a:solidFill>
+                  <a:srgbClr val="1C1E21"/>
+                </a:solidFill>
+                <a:effectLst/>
+              </a:rPr>
+              <a:t>These results will be deduplicated (in case the same document comes back multiple times) and then used as context in your final prompt.</a:t>
+            </a:r>
+          </a:p>
+          <a:p>
+            <a:br>
+              <a:rPr lang="en" altLang="ko-KR" sz="1200" dirty="0"/>
+            </a:br>
+            <a:endParaRPr kumimoji="1" lang="ko-KR" altLang="en-US" sz="1200" dirty="0"/>
           </a:p>
         </p:txBody>
       </p:sp>
